--- a/Lab_5/_5. Pointers and D_mem.pptx
+++ b/Lab_5/_5. Pointers and D_mem.pptx
@@ -3698,7 +3698,7 @@
           <p:nvPr>
             <p:extLst>
               <p:ext uri="{D42A27DB-BD31-4B8C-83A1-F6EECF244321}">
-                <p14:modId xmlns:p14="http://schemas.microsoft.com/office/powerpoint/2010/main" val="1666332675"/>
+                <p14:modId xmlns:p14="http://schemas.microsoft.com/office/powerpoint/2010/main" val="2826523265"/>
               </p:ext>
             </p:extLst>
           </p:nvPr>
@@ -4225,10 +4225,10 @@
                         <a:defRPr/>
                       </a:pPr>
                       <a:r>
-                        <a:rPr lang="ru-RU" sz="1200">
+                        <a:rPr lang="ru-RU" sz="1200" dirty="0">
                           <a:effectLst/>
                         </a:rPr>
-                        <a:t>Классы. Конструктор, деструктор.</a:t>
+                        <a:t>Списки.</a:t>
                       </a:r>
                       <a:endParaRPr lang="en-US" sz="1200" dirty="0"/>
                     </a:p>
@@ -4282,6 +4282,12 @@
                         <a:tabLst/>
                         <a:defRPr/>
                       </a:pPr>
+                      <a:r>
+                        <a:rPr lang="ru-RU" sz="1200" dirty="0">
+                          <a:effectLst/>
+                        </a:rPr>
+                        <a:t>Классы. Конструктор, деструктор.</a:t>
+                      </a:r>
                       <a:endParaRPr lang="en-US" sz="1200" dirty="0"/>
                     </a:p>
                   </a:txBody>
@@ -4334,12 +4340,6 @@
                         <a:tabLst/>
                         <a:defRPr/>
                       </a:pPr>
-                      <a:r>
-                        <a:rPr lang="ru-RU" sz="1200" dirty="0">
-                          <a:effectLst/>
-                        </a:rPr>
-                        <a:t>Списки.</a:t>
-                      </a:r>
                       <a:endParaRPr lang="en-US" sz="1200" dirty="0"/>
                     </a:p>
                   </a:txBody>
@@ -4510,7 +4510,7 @@
           <p:nvPr>
             <p:extLst>
               <p:ext uri="{D42A27DB-BD31-4B8C-83A1-F6EECF244321}">
-                <p14:modId xmlns:p14="http://schemas.microsoft.com/office/powerpoint/2010/main" val="1535329060"/>
+                <p14:modId xmlns:p14="http://schemas.microsoft.com/office/powerpoint/2010/main" val="197895865"/>
               </p:ext>
             </p:extLst>
           </p:nvPr>
@@ -4988,7 +4988,7 @@
                         <a:rPr lang="ru-RU" sz="1200" dirty="0">
                           <a:effectLst/>
                         </a:rPr>
-                        <a:t>Классы. Конструктор, деструктор.</a:t>
+                        <a:t>Списки.</a:t>
                       </a:r>
                       <a:endParaRPr lang="en-US" sz="1200" dirty="0"/>
                     </a:p>
@@ -5042,6 +5042,12 @@
                         <a:tabLst/>
                         <a:defRPr/>
                       </a:pPr>
+                      <a:r>
+                        <a:rPr lang="ru-RU" sz="1200" dirty="0">
+                          <a:effectLst/>
+                        </a:rPr>
+                        <a:t>Классы. Конструктор, деструктор.</a:t>
+                      </a:r>
                       <a:endParaRPr lang="en-US" sz="1200" dirty="0"/>
                     </a:p>
                   </a:txBody>
@@ -5094,12 +5100,6 @@
                         <a:tabLst/>
                         <a:defRPr/>
                       </a:pPr>
-                      <a:r>
-                        <a:rPr lang="ru-RU" sz="1200" dirty="0">
-                          <a:effectLst/>
-                        </a:rPr>
-                        <a:t>Списки.</a:t>
-                      </a:r>
                       <a:endParaRPr lang="en-US" sz="1200" dirty="0"/>
                     </a:p>
                   </a:txBody>
